--- a/manual/manual_template.pptx
+++ b/manual/manual_template.pptx
@@ -5,18 +5,17 @@
     <p:sldMasterId id="2147483682" r:id="rId1"/>
   </p:sldMasterIdLst>
   <p:notesMasterIdLst>
-    <p:notesMasterId r:id="rId8"/>
+    <p:notesMasterId r:id="rId7"/>
   </p:notesMasterIdLst>
   <p:handoutMasterIdLst>
-    <p:handoutMasterId r:id="rId9"/>
+    <p:handoutMasterId r:id="rId8"/>
   </p:handoutMasterIdLst>
   <p:sldIdLst>
     <p:sldId id="1534" r:id="rId2"/>
     <p:sldId id="1527" r:id="rId3"/>
     <p:sldId id="1528" r:id="rId4"/>
-    <p:sldId id="1536" r:id="rId5"/>
-    <p:sldId id="1535" r:id="rId6"/>
-    <p:sldId id="1533" r:id="rId7"/>
+    <p:sldId id="1535" r:id="rId5"/>
+    <p:sldId id="1533" r:id="rId6"/>
   </p:sldIdLst>
   <p:sldSz cx="6858000" cy="9144000" type="screen4x3"/>
   <p:notesSz cx="6669088" cy="9872663"/>
@@ -145,6 +144,36 @@
       </a:defRPr>
     </a:lvl9pPr>
   </p:defaultTextStyle>
+  <p:extLst>
+    <p:ext uri="{EFAFB233-063F-42B5-8137-9DF3F51BA10A}">
+      <p15:sldGuideLst xmlns:p15="http://schemas.microsoft.com/office/powerpoint/2012/main">
+        <p15:guide id="1" orient="horz" pos="2880">
+          <p15:clr>
+            <a:srgbClr val="A4A3A4"/>
+          </p15:clr>
+        </p15:guide>
+        <p15:guide id="2" pos="2161">
+          <p15:clr>
+            <a:srgbClr val="A4A3A4"/>
+          </p15:clr>
+        </p15:guide>
+      </p15:sldGuideLst>
+    </p:ext>
+    <p:ext uri="{2D200454-40CA-4A62-9FC3-DE9A4176ACB9}">
+      <p15:notesGuideLst xmlns:p15="http://schemas.microsoft.com/office/powerpoint/2012/main">
+        <p15:guide id="1" orient="horz" pos="3109">
+          <p15:clr>
+            <a:srgbClr val="A4A3A4"/>
+          </p15:clr>
+        </p15:guide>
+        <p15:guide id="2" pos="2101">
+          <p15:clr>
+            <a:srgbClr val="A4A3A4"/>
+          </p15:clr>
+        </p15:guide>
+      </p15:notesGuideLst>
+    </p:ext>
+  </p:extLst>
 </p:presentation>
 </file>
 
@@ -740,35 +769,35 @@
           <a:p>
             <a:pPr lvl="0"/>
             <a:r>
-              <a:rPr lang="de-DE" smtClean="0"/>
+              <a:rPr lang="de-DE"/>
               <a:t>Textmasterformate durch Klicken bearbeiten</a:t>
             </a:r>
           </a:p>
           <a:p>
             <a:pPr lvl="1"/>
             <a:r>
-              <a:rPr lang="de-DE" smtClean="0"/>
+              <a:rPr lang="de-DE"/>
               <a:t>Zweite Ebene</a:t>
             </a:r>
           </a:p>
           <a:p>
             <a:pPr lvl="2"/>
             <a:r>
-              <a:rPr lang="de-DE" smtClean="0"/>
+              <a:rPr lang="de-DE"/>
               <a:t>Dritte Ebene</a:t>
             </a:r>
           </a:p>
           <a:p>
             <a:pPr lvl="3"/>
             <a:r>
-              <a:rPr lang="de-DE" smtClean="0"/>
+              <a:rPr lang="de-DE"/>
               <a:t>Vierte Ebene</a:t>
             </a:r>
           </a:p>
           <a:p>
             <a:pPr lvl="4"/>
             <a:r>
-              <a:rPr lang="de-DE" smtClean="0"/>
+              <a:rPr lang="de-DE"/>
               <a:t>Fünfte Ebene</a:t>
             </a:r>
           </a:p>
@@ -1169,34 +1198,34 @@
           <a:p>
             <a:pPr lvl="0"/>
             <a:r>
-              <a:rPr lang="en-US" altLang="en-GB" noProof="0" dirty="0" err="1" smtClean="0"/>
+              <a:rPr lang="en-US" altLang="en-GB" noProof="0" dirty="0" err="1"/>
               <a:t>Titelmasterformat</a:t>
             </a:r>
             <a:r>
-              <a:rPr lang="en-US" altLang="en-GB" noProof="0" dirty="0" smtClean="0"/>
+              <a:rPr lang="en-US" altLang="en-GB" noProof="0" dirty="0"/>
               <a:t> </a:t>
             </a:r>
             <a:r>
-              <a:rPr lang="en-US" altLang="en-GB" noProof="0" dirty="0" err="1" smtClean="0"/>
+              <a:rPr lang="en-US" altLang="en-GB" noProof="0" dirty="0" err="1"/>
               <a:t>durch</a:t>
             </a:r>
             <a:r>
-              <a:rPr lang="en-US" altLang="en-GB" noProof="0" dirty="0" smtClean="0"/>
+              <a:rPr lang="en-US" altLang="en-GB" noProof="0" dirty="0"/>
               <a:t> </a:t>
             </a:r>
             <a:r>
-              <a:rPr lang="en-US" altLang="en-GB" noProof="0" dirty="0" err="1" smtClean="0"/>
+              <a:rPr lang="en-US" altLang="en-GB" noProof="0" dirty="0" err="1"/>
               <a:t>Klicken</a:t>
             </a:r>
             <a:r>
-              <a:rPr lang="en-US" altLang="en-GB" noProof="0" dirty="0" smtClean="0"/>
+              <a:rPr lang="en-US" altLang="en-GB" noProof="0" dirty="0"/>
               <a:t> </a:t>
             </a:r>
             <a:r>
-              <a:rPr lang="en-US" altLang="en-GB" noProof="0" dirty="0" err="1" smtClean="0"/>
+              <a:rPr lang="en-US" altLang="en-GB" noProof="0" dirty="0" err="1"/>
               <a:t>bearbeiten</a:t>
             </a:r>
-            <a:endParaRPr lang="en-US" altLang="en-GB" noProof="0" dirty="0" smtClean="0"/>
+            <a:endParaRPr lang="en-US" altLang="en-GB" noProof="0" dirty="0"/>
           </a:p>
         </p:txBody>
       </p:sp>
@@ -1231,42 +1260,42 @@
           <a:p>
             <a:pPr lvl="0"/>
             <a:r>
-              <a:rPr lang="en-US" altLang="en-GB" noProof="0" dirty="0" err="1" smtClean="0"/>
+              <a:rPr lang="en-US" altLang="en-GB" noProof="0" dirty="0" err="1"/>
               <a:t>Formatvorlage</a:t>
             </a:r>
             <a:r>
-              <a:rPr lang="en-US" altLang="en-GB" noProof="0" dirty="0" smtClean="0"/>
+              <a:rPr lang="en-US" altLang="en-GB" noProof="0" dirty="0"/>
               <a:t> des </a:t>
             </a:r>
             <a:r>
-              <a:rPr lang="en-US" altLang="en-GB" noProof="0" dirty="0" err="1" smtClean="0"/>
+              <a:rPr lang="en-US" altLang="en-GB" noProof="0" dirty="0" err="1"/>
               <a:t>Untertitelmasters</a:t>
             </a:r>
             <a:r>
-              <a:rPr lang="en-US" altLang="en-GB" noProof="0" dirty="0" smtClean="0"/>
+              <a:rPr lang="en-US" altLang="en-GB" noProof="0" dirty="0"/>
               <a:t> </a:t>
             </a:r>
             <a:r>
-              <a:rPr lang="en-US" altLang="en-GB" noProof="0" dirty="0" err="1" smtClean="0"/>
+              <a:rPr lang="en-US" altLang="en-GB" noProof="0" dirty="0" err="1"/>
               <a:t>durch</a:t>
             </a:r>
             <a:r>
-              <a:rPr lang="en-US" altLang="en-GB" noProof="0" dirty="0" smtClean="0"/>
+              <a:rPr lang="en-US" altLang="en-GB" noProof="0" dirty="0"/>
               <a:t> </a:t>
             </a:r>
             <a:r>
-              <a:rPr lang="en-US" altLang="en-GB" noProof="0" dirty="0" err="1" smtClean="0"/>
+              <a:rPr lang="en-US" altLang="en-GB" noProof="0" dirty="0" err="1"/>
               <a:t>Klicken</a:t>
             </a:r>
             <a:r>
-              <a:rPr lang="en-US" altLang="en-GB" noProof="0" dirty="0" smtClean="0"/>
+              <a:rPr lang="en-US" altLang="en-GB" noProof="0" dirty="0"/>
               <a:t> </a:t>
             </a:r>
             <a:r>
-              <a:rPr lang="en-US" altLang="en-GB" noProof="0" dirty="0" err="1" smtClean="0"/>
+              <a:rPr lang="en-US" altLang="en-GB" noProof="0" dirty="0" err="1"/>
               <a:t>bearbeiten</a:t>
             </a:r>
-            <a:endParaRPr lang="en-US" altLang="en-GB" noProof="0" dirty="0" smtClean="0"/>
+            <a:endParaRPr lang="en-US" altLang="en-GB" noProof="0" dirty="0"/>
           </a:p>
         </p:txBody>
       </p:sp>
@@ -1491,13 +1520,6 @@
     <a:masterClrMapping/>
   </p:clrMapOvr>
   <p:transition/>
-  <p:timing>
-    <p:tnLst>
-      <p:par>
-        <p:cTn id="1" dur="indefinite" restart="never" nodeType="tmRoot"/>
-      </p:par>
-    </p:tnLst>
-  </p:timing>
 </p:sldLayout>
 </file>
 
@@ -1542,10 +1564,9 @@
           <a:lstStyle/>
           <a:p>
             <a:r>
-              <a:rPr lang="de-DE" smtClean="0"/>
+              <a:rPr lang="de-DE"/>
               <a:t>Titelmasterformat durch Klicken bearbeiten</a:t>
             </a:r>
-            <a:endParaRPr lang="de-DE"/>
           </a:p>
         </p:txBody>
       </p:sp>
@@ -1795,7 +1816,7 @@
           <a:p>
             <a:pPr lvl="0"/>
             <a:r>
-              <a:rPr lang="de-DE" smtClean="0"/>
+              <a:rPr lang="de-DE"/>
               <a:t>Textmasterformat bearbeiten</a:t>
             </a:r>
           </a:p>
@@ -1825,10 +1846,9 @@
           <a:lstStyle/>
           <a:p>
             <a:r>
-              <a:rPr lang="de-DE" smtClean="0"/>
+              <a:rPr lang="de-DE"/>
               <a:t>Titelmasterformat durch Klicken bearbeiten</a:t>
             </a:r>
-            <a:endParaRPr lang="de-DE"/>
           </a:p>
         </p:txBody>
       </p:sp>
@@ -1944,10 +1964,9 @@
           <a:lstStyle/>
           <a:p>
             <a:r>
-              <a:rPr lang="de-DE" smtClean="0"/>
+              <a:rPr lang="de-DE"/>
               <a:t>Titelmasterformat durch Klicken bearbeiten</a:t>
             </a:r>
-            <a:endParaRPr lang="de-DE"/>
           </a:p>
         </p:txBody>
       </p:sp>
@@ -1976,38 +1995,37 @@
           <a:p>
             <a:pPr lvl="0"/>
             <a:r>
-              <a:rPr lang="de-DE" smtClean="0"/>
+              <a:rPr lang="de-DE"/>
               <a:t>Textmasterformat bearbeiten</a:t>
             </a:r>
           </a:p>
           <a:p>
             <a:pPr lvl="1"/>
             <a:r>
-              <a:rPr lang="de-DE" smtClean="0"/>
+              <a:rPr lang="de-DE"/>
               <a:t>Zweite Ebene</a:t>
             </a:r>
           </a:p>
           <a:p>
             <a:pPr lvl="2"/>
             <a:r>
-              <a:rPr lang="de-DE" smtClean="0"/>
+              <a:rPr lang="de-DE"/>
               <a:t>Dritte Ebene</a:t>
             </a:r>
           </a:p>
           <a:p>
             <a:pPr lvl="3"/>
             <a:r>
-              <a:rPr lang="de-DE" smtClean="0"/>
+              <a:rPr lang="de-DE"/>
               <a:t>Vierte Ebene</a:t>
             </a:r>
           </a:p>
           <a:p>
             <a:pPr lvl="4"/>
             <a:r>
-              <a:rPr lang="de-DE" smtClean="0"/>
+              <a:rPr lang="de-DE"/>
               <a:t>Fünfte Ebene</a:t>
             </a:r>
-            <a:endParaRPr lang="de-DE"/>
           </a:p>
         </p:txBody>
       </p:sp>
@@ -2123,10 +2141,9 @@
           <a:lstStyle/>
           <a:p>
             <a:r>
-              <a:rPr lang="de-DE" dirty="0" smtClean="0"/>
+              <a:rPr lang="de-DE" dirty="0"/>
               <a:t>Titelmasterformat durch Klicken bearbeiten</a:t>
             </a:r>
-            <a:endParaRPr lang="de-DE" dirty="0"/>
           </a:p>
         </p:txBody>
       </p:sp>
@@ -2155,38 +2172,37 @@
           <a:p>
             <a:pPr lvl="0"/>
             <a:r>
-              <a:rPr lang="de-DE" smtClean="0"/>
+              <a:rPr lang="de-DE"/>
               <a:t>Textmasterformat bearbeiten</a:t>
             </a:r>
           </a:p>
           <a:p>
             <a:pPr lvl="1"/>
             <a:r>
-              <a:rPr lang="de-DE" smtClean="0"/>
+              <a:rPr lang="de-DE"/>
               <a:t>Zweite Ebene</a:t>
             </a:r>
           </a:p>
           <a:p>
             <a:pPr lvl="2"/>
             <a:r>
-              <a:rPr lang="de-DE" smtClean="0"/>
+              <a:rPr lang="de-DE"/>
               <a:t>Dritte Ebene</a:t>
             </a:r>
           </a:p>
           <a:p>
             <a:pPr lvl="3"/>
             <a:r>
-              <a:rPr lang="de-DE" smtClean="0"/>
+              <a:rPr lang="de-DE"/>
               <a:t>Vierte Ebene</a:t>
             </a:r>
           </a:p>
           <a:p>
             <a:pPr lvl="4"/>
             <a:r>
-              <a:rPr lang="de-DE" smtClean="0"/>
+              <a:rPr lang="de-DE"/>
               <a:t>Fünfte Ebene</a:t>
             </a:r>
-            <a:endParaRPr lang="de-DE"/>
           </a:p>
         </p:txBody>
       </p:sp>
@@ -2302,10 +2318,9 @@
           <a:lstStyle/>
           <a:p>
             <a:r>
-              <a:rPr lang="de-DE" smtClean="0"/>
+              <a:rPr lang="de-DE"/>
               <a:t>Titelmasterformat durch Klicken bearbeiten</a:t>
             </a:r>
-            <a:endParaRPr lang="de-DE"/>
           </a:p>
         </p:txBody>
       </p:sp>
@@ -2449,10 +2464,9 @@
           <a:lstStyle/>
           <a:p>
             <a:r>
-              <a:rPr lang="de-DE" smtClean="0"/>
+              <a:rPr lang="de-DE"/>
               <a:t>Titelmasterformat durch Klicken bearbeiten</a:t>
             </a:r>
-            <a:endParaRPr lang="de-DE"/>
           </a:p>
         </p:txBody>
       </p:sp>
@@ -2481,38 +2495,37 @@
           <a:p>
             <a:pPr lvl="0"/>
             <a:r>
-              <a:rPr lang="de-DE" smtClean="0"/>
+              <a:rPr lang="de-DE"/>
               <a:t>Textmasterformat bearbeiten</a:t>
             </a:r>
           </a:p>
           <a:p>
             <a:pPr lvl="1"/>
             <a:r>
-              <a:rPr lang="de-DE" smtClean="0"/>
+              <a:rPr lang="de-DE"/>
               <a:t>Zweite Ebene</a:t>
             </a:r>
           </a:p>
           <a:p>
             <a:pPr lvl="2"/>
             <a:r>
-              <a:rPr lang="de-DE" smtClean="0"/>
+              <a:rPr lang="de-DE"/>
               <a:t>Dritte Ebene</a:t>
             </a:r>
           </a:p>
           <a:p>
             <a:pPr lvl="3"/>
             <a:r>
-              <a:rPr lang="de-DE" smtClean="0"/>
+              <a:rPr lang="de-DE"/>
               <a:t>Vierte Ebene</a:t>
             </a:r>
           </a:p>
           <a:p>
             <a:pPr lvl="4"/>
             <a:r>
-              <a:rPr lang="de-DE" smtClean="0"/>
+              <a:rPr lang="de-DE"/>
               <a:t>Fünfte Ebene</a:t>
             </a:r>
-            <a:endParaRPr lang="de-DE"/>
           </a:p>
         </p:txBody>
       </p:sp>
@@ -2837,34 +2850,34 @@
           <a:p>
             <a:pPr lvl="0"/>
             <a:r>
-              <a:rPr lang="en-US" altLang="en-GB" noProof="0" dirty="0" err="1" smtClean="0"/>
+              <a:rPr lang="en-US" altLang="en-GB" noProof="0" dirty="0" err="1"/>
               <a:t>Titelmasterformat</a:t>
             </a:r>
             <a:r>
-              <a:rPr lang="en-US" altLang="en-GB" noProof="0" dirty="0" smtClean="0"/>
+              <a:rPr lang="en-US" altLang="en-GB" noProof="0" dirty="0"/>
               <a:t> </a:t>
             </a:r>
             <a:r>
-              <a:rPr lang="en-US" altLang="en-GB" noProof="0" dirty="0" err="1" smtClean="0"/>
+              <a:rPr lang="en-US" altLang="en-GB" noProof="0" dirty="0" err="1"/>
               <a:t>durch</a:t>
             </a:r>
             <a:r>
-              <a:rPr lang="en-US" altLang="en-GB" noProof="0" dirty="0" smtClean="0"/>
+              <a:rPr lang="en-US" altLang="en-GB" noProof="0" dirty="0"/>
               <a:t> </a:t>
             </a:r>
             <a:r>
-              <a:rPr lang="en-US" altLang="en-GB" noProof="0" dirty="0" err="1" smtClean="0"/>
+              <a:rPr lang="en-US" altLang="en-GB" noProof="0" dirty="0" err="1"/>
               <a:t>Klicken</a:t>
             </a:r>
             <a:r>
-              <a:rPr lang="en-US" altLang="en-GB" noProof="0" dirty="0" smtClean="0"/>
+              <a:rPr lang="en-US" altLang="en-GB" noProof="0" dirty="0"/>
               <a:t> </a:t>
             </a:r>
             <a:r>
-              <a:rPr lang="en-US" altLang="en-GB" noProof="0" dirty="0" err="1" smtClean="0"/>
+              <a:rPr lang="en-US" altLang="en-GB" noProof="0" dirty="0" err="1"/>
               <a:t>bearbeiten</a:t>
             </a:r>
-            <a:endParaRPr lang="en-US" altLang="en-GB" noProof="0" dirty="0" smtClean="0"/>
+            <a:endParaRPr lang="en-US" altLang="en-GB" noProof="0" dirty="0"/>
           </a:p>
         </p:txBody>
       </p:sp>
@@ -3025,9 +3038,9 @@
                   <a:srgbClr val="000000"/>
                 </a:solidFill>
               </a:rPr>
-              <a:t>25.03.2019</a:t>
+              <a:t>04.08.2020</a:t>
             </a:fld>
-            <a:endParaRPr lang="de-DE" dirty="0" smtClean="0">
+            <a:endParaRPr lang="de-DE" dirty="0">
               <a:solidFill>
                 <a:srgbClr val="000000"/>
               </a:solidFill>
@@ -3301,7 +3314,7 @@
               <a:defRPr/>
             </a:pPr>
             <a:r>
-              <a:rPr lang="de-DE" dirty="0" smtClean="0">
+              <a:rPr lang="de-DE" dirty="0">
                 <a:solidFill>
                   <a:srgbClr val="000000"/>
                 </a:solidFill>
@@ -3344,7 +3357,6 @@
           <a:ln>
             <a:noFill/>
           </a:ln>
-          <a:extLst/>
         </p:spPr>
       </p:pic>
     </p:spTree>
@@ -3358,13 +3370,6 @@
     <a:masterClrMapping/>
   </p:clrMapOvr>
   <p:transition/>
-  <p:timing>
-    <p:tnLst>
-      <p:par>
-        <p:cTn id="1" dur="indefinite" restart="never" nodeType="tmRoot"/>
-      </p:par>
-    </p:tnLst>
-  </p:timing>
 </p:sldLayout>
 </file>
 
@@ -3410,7 +3415,6 @@
             <a:tailEnd type="none" w="med" len="med"/>
           </a:ln>
           <a:effectLst/>
-          <a:extLst/>
         </p:spPr>
         <p:txBody>
           <a:bodyPr vert="horz" wrap="square" lIns="91440" tIns="45720" rIns="91440" bIns="45720" numCol="1" rtlCol="0" anchor="t" anchorCtr="0" compatLnSpc="1">
@@ -3436,7 +3440,7 @@
               <a:buNone/>
               <a:tabLst/>
             </a:pPr>
-            <a:endParaRPr kumimoji="0" lang="de-DE" sz="2000" b="0" i="0" u="none" strike="noStrike" cap="none" normalizeH="0" baseline="0" smtClean="0">
+            <a:endParaRPr kumimoji="0" lang="de-DE" sz="2000" b="0" i="0" u="none" strike="noStrike" cap="none" normalizeH="0" baseline="0">
               <a:ln>
                 <a:noFill/>
               </a:ln>
@@ -3460,13 +3464,6 @@
     <a:masterClrMapping/>
   </p:clrMapOvr>
   <p:transition/>
-  <p:timing>
-    <p:tnLst>
-      <p:par>
-        <p:cTn id="1" dur="indefinite" restart="never" nodeType="tmRoot"/>
-      </p:par>
-    </p:tnLst>
-  </p:timing>
 </p:sldLayout>
 </file>
 
@@ -3498,13 +3495,6 @@
     <a:masterClrMapping/>
   </p:clrMapOvr>
   <p:transition/>
-  <p:timing>
-    <p:tnLst>
-      <p:par>
-        <p:cTn id="1" dur="indefinite" restart="never" nodeType="tmRoot"/>
-      </p:par>
-    </p:tnLst>
-  </p:timing>
 </p:sldLayout>
 </file>
 
@@ -3899,34 +3889,34 @@
           <a:p>
             <a:pPr lvl="0"/>
             <a:r>
-              <a:rPr lang="en-US" altLang="en-GB" noProof="0" dirty="0" err="1" smtClean="0"/>
+              <a:rPr lang="en-US" altLang="en-GB" noProof="0" dirty="0" err="1"/>
               <a:t>Titelmasterformat</a:t>
             </a:r>
             <a:r>
-              <a:rPr lang="en-US" altLang="en-GB" noProof="0" dirty="0" smtClean="0"/>
+              <a:rPr lang="en-US" altLang="en-GB" noProof="0" dirty="0"/>
               <a:t> </a:t>
             </a:r>
             <a:r>
-              <a:rPr lang="en-US" altLang="en-GB" noProof="0" dirty="0" err="1" smtClean="0"/>
+              <a:rPr lang="en-US" altLang="en-GB" noProof="0" dirty="0" err="1"/>
               <a:t>durch</a:t>
             </a:r>
             <a:r>
-              <a:rPr lang="en-US" altLang="en-GB" noProof="0" dirty="0" smtClean="0"/>
+              <a:rPr lang="en-US" altLang="en-GB" noProof="0" dirty="0"/>
               <a:t> </a:t>
             </a:r>
             <a:r>
-              <a:rPr lang="en-US" altLang="en-GB" noProof="0" dirty="0" err="1" smtClean="0"/>
+              <a:rPr lang="en-US" altLang="en-GB" noProof="0" dirty="0" err="1"/>
               <a:t>Klicken</a:t>
             </a:r>
             <a:r>
-              <a:rPr lang="en-US" altLang="en-GB" noProof="0" dirty="0" smtClean="0"/>
+              <a:rPr lang="en-US" altLang="en-GB" noProof="0" dirty="0"/>
               <a:t> </a:t>
             </a:r>
             <a:r>
-              <a:rPr lang="en-US" altLang="en-GB" noProof="0" dirty="0" err="1" smtClean="0"/>
+              <a:rPr lang="en-US" altLang="en-GB" noProof="0" dirty="0" err="1"/>
               <a:t>bearbeiten</a:t>
             </a:r>
-            <a:endParaRPr lang="en-US" altLang="en-GB" noProof="0" dirty="0" smtClean="0"/>
+            <a:endParaRPr lang="en-US" altLang="en-GB" noProof="0" dirty="0"/>
           </a:p>
         </p:txBody>
       </p:sp>
@@ -4087,9 +4077,9 @@
                   <a:srgbClr val="000000"/>
                 </a:solidFill>
               </a:rPr>
-              <a:t>25.03.2019</a:t>
+              <a:t>04.08.2020</a:t>
             </a:fld>
-            <a:endParaRPr lang="de-DE" dirty="0" smtClean="0">
+            <a:endParaRPr lang="de-DE" dirty="0">
               <a:solidFill>
                 <a:srgbClr val="000000"/>
               </a:solidFill>
@@ -4108,13 +4098,6 @@
     <a:masterClrMapping/>
   </p:clrMapOvr>
   <p:transition/>
-  <p:timing>
-    <p:tnLst>
-      <p:par>
-        <p:cTn id="1" dur="indefinite" restart="never" nodeType="tmRoot"/>
-      </p:par>
-    </p:tnLst>
-  </p:timing>
 </p:sldLayout>
 </file>
 
@@ -4509,34 +4492,34 @@
           <a:p>
             <a:pPr lvl="0"/>
             <a:r>
-              <a:rPr lang="en-US" altLang="en-GB" noProof="0" dirty="0" err="1" smtClean="0"/>
+              <a:rPr lang="en-US" altLang="en-GB" noProof="0" dirty="0" err="1"/>
               <a:t>Titelmasterformat</a:t>
             </a:r>
             <a:r>
-              <a:rPr lang="en-US" altLang="en-GB" noProof="0" dirty="0" smtClean="0"/>
+              <a:rPr lang="en-US" altLang="en-GB" noProof="0" dirty="0"/>
               <a:t> </a:t>
             </a:r>
             <a:r>
-              <a:rPr lang="en-US" altLang="en-GB" noProof="0" dirty="0" err="1" smtClean="0"/>
+              <a:rPr lang="en-US" altLang="en-GB" noProof="0" dirty="0" err="1"/>
               <a:t>durch</a:t>
             </a:r>
             <a:r>
-              <a:rPr lang="en-US" altLang="en-GB" noProof="0" dirty="0" smtClean="0"/>
+              <a:rPr lang="en-US" altLang="en-GB" noProof="0" dirty="0"/>
               <a:t> </a:t>
             </a:r>
             <a:r>
-              <a:rPr lang="en-US" altLang="en-GB" noProof="0" dirty="0" err="1" smtClean="0"/>
+              <a:rPr lang="en-US" altLang="en-GB" noProof="0" dirty="0" err="1"/>
               <a:t>Klicken</a:t>
             </a:r>
             <a:r>
-              <a:rPr lang="en-US" altLang="en-GB" noProof="0" dirty="0" smtClean="0"/>
+              <a:rPr lang="en-US" altLang="en-GB" noProof="0" dirty="0"/>
               <a:t> </a:t>
             </a:r>
             <a:r>
-              <a:rPr lang="en-US" altLang="en-GB" noProof="0" dirty="0" err="1" smtClean="0"/>
+              <a:rPr lang="en-US" altLang="en-GB" noProof="0" dirty="0" err="1"/>
               <a:t>bearbeiten</a:t>
             </a:r>
-            <a:endParaRPr lang="en-US" altLang="en-GB" noProof="0" dirty="0" smtClean="0"/>
+            <a:endParaRPr lang="en-US" altLang="en-GB" noProof="0" dirty="0"/>
           </a:p>
         </p:txBody>
       </p:sp>
@@ -4702,7 +4685,7 @@
               </a:pPr>
               <a:t>‹Nr.›</a:t>
             </a:fld>
-            <a:endParaRPr lang="de-DE" dirty="0" smtClean="0">
+            <a:endParaRPr lang="de-DE" dirty="0">
               <a:solidFill>
                 <a:srgbClr val="000000"/>
               </a:solidFill>
@@ -4721,13 +4704,6 @@
     <a:masterClrMapping/>
   </p:clrMapOvr>
   <p:transition/>
-  <p:timing>
-    <p:tnLst>
-      <p:par>
-        <p:cTn id="1" dur="indefinite" restart="never" nodeType="tmRoot"/>
-      </p:par>
-    </p:tnLst>
-  </p:timing>
 </p:sldLayout>
 </file>
 
@@ -4772,10 +4748,9 @@
           <a:lstStyle/>
           <a:p>
             <a:r>
-              <a:rPr lang="de-DE" dirty="0" smtClean="0"/>
+              <a:rPr lang="de-DE" dirty="0"/>
               <a:t>Titelmasterformat durch Klicken bearbeiten</a:t>
             </a:r>
-            <a:endParaRPr lang="de-DE" dirty="0"/>
           </a:p>
         </p:txBody>
       </p:sp>
@@ -4804,38 +4779,37 @@
           <a:p>
             <a:pPr lvl="0"/>
             <a:r>
-              <a:rPr lang="de-DE" dirty="0" smtClean="0"/>
+              <a:rPr lang="de-DE" dirty="0"/>
               <a:t>Textmasterformat bearbeiten</a:t>
             </a:r>
           </a:p>
           <a:p>
             <a:pPr lvl="1"/>
             <a:r>
-              <a:rPr lang="de-DE" dirty="0" smtClean="0"/>
+              <a:rPr lang="de-DE" dirty="0"/>
               <a:t>Zweite Ebene</a:t>
             </a:r>
           </a:p>
           <a:p>
             <a:pPr lvl="2"/>
             <a:r>
-              <a:rPr lang="de-DE" dirty="0" smtClean="0"/>
+              <a:rPr lang="de-DE" dirty="0"/>
               <a:t>Dritte Ebene</a:t>
             </a:r>
           </a:p>
           <a:p>
             <a:pPr lvl="3"/>
             <a:r>
-              <a:rPr lang="de-DE" dirty="0" smtClean="0"/>
+              <a:rPr lang="de-DE" dirty="0"/>
               <a:t>Vierte Ebene</a:t>
             </a:r>
           </a:p>
           <a:p>
             <a:pPr lvl="4"/>
             <a:r>
-              <a:rPr lang="de-DE" dirty="0" smtClean="0"/>
+              <a:rPr lang="de-DE" dirty="0"/>
               <a:t>Fünfte Ebene</a:t>
             </a:r>
-            <a:endParaRPr lang="de-DE" dirty="0"/>
           </a:p>
         </p:txBody>
       </p:sp>
@@ -4907,13 +4881,6 @@
     <a:masterClrMapping/>
   </p:clrMapOvr>
   <p:transition/>
-  <p:timing>
-    <p:tnLst>
-      <p:par>
-        <p:cTn id="1" dur="indefinite" restart="never" nodeType="tmRoot"/>
-      </p:par>
-    </p:tnLst>
-  </p:timing>
 </p:sldLayout>
 </file>
 
@@ -4958,10 +4925,9 @@
           <a:lstStyle/>
           <a:p>
             <a:r>
-              <a:rPr lang="de-DE" smtClean="0"/>
+              <a:rPr lang="de-DE"/>
               <a:t>Titelmasterformat durch Klicken bearbeiten</a:t>
             </a:r>
-            <a:endParaRPr lang="de-DE"/>
           </a:p>
         </p:txBody>
       </p:sp>
@@ -4990,38 +4956,37 @@
           <a:p>
             <a:pPr lvl="0"/>
             <a:r>
-              <a:rPr lang="de-DE" smtClean="0"/>
+              <a:rPr lang="de-DE"/>
               <a:t>Textmasterformat bearbeiten</a:t>
             </a:r>
           </a:p>
           <a:p>
             <a:pPr lvl="1"/>
             <a:r>
-              <a:rPr lang="de-DE" smtClean="0"/>
+              <a:rPr lang="de-DE"/>
               <a:t>Zweite Ebene</a:t>
             </a:r>
           </a:p>
           <a:p>
             <a:pPr lvl="2"/>
             <a:r>
-              <a:rPr lang="de-DE" smtClean="0"/>
+              <a:rPr lang="de-DE"/>
               <a:t>Dritte Ebene</a:t>
             </a:r>
           </a:p>
           <a:p>
             <a:pPr lvl="3"/>
             <a:r>
-              <a:rPr lang="de-DE" smtClean="0"/>
+              <a:rPr lang="de-DE"/>
               <a:t>Vierte Ebene</a:t>
             </a:r>
           </a:p>
           <a:p>
             <a:pPr lvl="4"/>
             <a:r>
-              <a:rPr lang="de-DE" smtClean="0"/>
+              <a:rPr lang="de-DE"/>
               <a:t>Fünfte Ebene</a:t>
             </a:r>
-            <a:endParaRPr lang="de-DE"/>
           </a:p>
         </p:txBody>
       </p:sp>
@@ -5183,10 +5148,9 @@
           <a:lstStyle/>
           <a:p>
             <a:r>
-              <a:rPr lang="de-DE" smtClean="0"/>
+              <a:rPr lang="de-DE"/>
               <a:t>Titelmasterformat durch Klicken bearbeiten</a:t>
             </a:r>
-            <a:endParaRPr lang="de-DE"/>
           </a:p>
         </p:txBody>
       </p:sp>
@@ -5243,38 +5207,37 @@
           <a:p>
             <a:pPr lvl="0"/>
             <a:r>
-              <a:rPr lang="de-DE" dirty="0" smtClean="0"/>
+              <a:rPr lang="de-DE" dirty="0"/>
               <a:t>Textmasterformat bearbeiten</a:t>
             </a:r>
           </a:p>
           <a:p>
             <a:pPr lvl="1"/>
             <a:r>
-              <a:rPr lang="de-DE" dirty="0" smtClean="0"/>
+              <a:rPr lang="de-DE" dirty="0"/>
               <a:t>Zweite Ebene</a:t>
             </a:r>
           </a:p>
           <a:p>
             <a:pPr lvl="2"/>
             <a:r>
-              <a:rPr lang="de-DE" dirty="0" smtClean="0"/>
+              <a:rPr lang="de-DE" dirty="0"/>
               <a:t>Dritte Ebene</a:t>
             </a:r>
           </a:p>
           <a:p>
             <a:pPr lvl="3"/>
             <a:r>
-              <a:rPr lang="de-DE" dirty="0" smtClean="0"/>
+              <a:rPr lang="de-DE" dirty="0"/>
               <a:t>Vierte Ebene</a:t>
             </a:r>
           </a:p>
           <a:p>
             <a:pPr lvl="4"/>
             <a:r>
-              <a:rPr lang="de-DE" dirty="0" smtClean="0"/>
+              <a:rPr lang="de-DE" dirty="0"/>
               <a:t>Fünfte Ebene</a:t>
             </a:r>
-            <a:endParaRPr lang="de-DE" dirty="0"/>
           </a:p>
         </p:txBody>
       </p:sp>
@@ -5331,38 +5294,37 @@
           <a:p>
             <a:pPr lvl="0"/>
             <a:r>
-              <a:rPr lang="de-DE" dirty="0" smtClean="0"/>
+              <a:rPr lang="de-DE" dirty="0"/>
               <a:t>Textmasterformat bearbeiten</a:t>
             </a:r>
           </a:p>
           <a:p>
             <a:pPr lvl="1"/>
             <a:r>
-              <a:rPr lang="de-DE" dirty="0" smtClean="0"/>
+              <a:rPr lang="de-DE" dirty="0"/>
               <a:t>Zweite Ebene</a:t>
             </a:r>
           </a:p>
           <a:p>
             <a:pPr lvl="2"/>
             <a:r>
-              <a:rPr lang="de-DE" dirty="0" smtClean="0"/>
+              <a:rPr lang="de-DE" dirty="0"/>
               <a:t>Dritte Ebene</a:t>
             </a:r>
           </a:p>
           <a:p>
             <a:pPr lvl="3"/>
             <a:r>
-              <a:rPr lang="de-DE" dirty="0" smtClean="0"/>
+              <a:rPr lang="de-DE" dirty="0"/>
               <a:t>Vierte Ebene</a:t>
             </a:r>
           </a:p>
           <a:p>
             <a:pPr lvl="4"/>
             <a:r>
-              <a:rPr lang="de-DE" dirty="0" smtClean="0"/>
+              <a:rPr lang="de-DE" dirty="0"/>
               <a:t>Fünfte Ebene</a:t>
             </a:r>
-            <a:endParaRPr lang="de-DE" dirty="0"/>
           </a:p>
         </p:txBody>
       </p:sp>
@@ -5489,13 +5451,6 @@
     <p:sldLayoutId id="2147483694" r:id="rId16"/>
   </p:sldLayoutIdLst>
   <p:transition/>
-  <p:timing>
-    <p:tnLst>
-      <p:par>
-        <p:cTn id="1" dur="indefinite" restart="never" nodeType="tmRoot"/>
-      </p:par>
-    </p:tnLst>
-  </p:timing>
   <p:hf sldNum="0" hdr="0"/>
   <p:txStyles>
     <p:titleStyle>
@@ -5952,37 +5907,82 @@
           </a:extLst>
         </p:spPr>
       </p:pic>
-      <p:sp>
-        <p:nvSpPr>
-          <p:cNvPr id="2" name="Textfeld 1"/>
-          <p:cNvSpPr txBox="1"/>
+      <p:pic>
+        <p:nvPicPr>
+          <p:cNvPr id="9" name="Grafik 8">
+            <a:extLst>
+              <a:ext uri="{FF2B5EF4-FFF2-40B4-BE49-F238E27FC236}">
+                <a16:creationId xmlns:a16="http://schemas.microsoft.com/office/drawing/2014/main" id="{8F75FDED-D344-4B04-9EAD-3708B70BBC31}"/>
+              </a:ext>
+            </a:extLst>
+          </p:cNvPr>
+          <p:cNvPicPr>
+            <a:picLocks noChangeAspect="1"/>
+          </p:cNvPicPr>
           <p:nvPr/>
-        </p:nvSpPr>
+        </p:nvPicPr>
+        <p:blipFill>
+          <a:blip r:embed="rId3"/>
+          <a:stretch>
+            <a:fillRect/>
+          </a:stretch>
+        </p:blipFill>
         <p:spPr>
           <a:xfrm>
-            <a:off x="908720" y="4911322"/>
-            <a:ext cx="5040560" cy="830997"/>
+            <a:off x="777677" y="5024450"/>
+            <a:ext cx="5328592" cy="843694"/>
           </a:xfrm>
           <a:prstGeom prst="rect">
             <a:avLst/>
           </a:prstGeom>
-          <a:noFill/>
-        </p:spPr>
-        <p:txBody>
-          <a:bodyPr wrap="square" rtlCol="0">
-            <a:spAutoFit/>
-          </a:bodyPr>
-          <a:lstStyle/>
-          <a:p>
-            <a:pPr algn="ctr"/>
-            <a:r>
-              <a:rPr lang="de-DE" sz="4800" b="1" dirty="0" smtClean="0"/>
-              <a:t>GAME DEMO</a:t>
-            </a:r>
-            <a:endParaRPr lang="de-DE" sz="4800" b="1" dirty="0"/>
-          </a:p>
-        </p:txBody>
-      </p:sp>
+          <a:ln w="38100">
+            <a:solidFill>
+              <a:schemeClr val="tx1"/>
+            </a:solidFill>
+          </a:ln>
+          <a:effectLst>
+            <a:softEdge rad="112500"/>
+          </a:effectLst>
+        </p:spPr>
+      </p:pic>
+      <p:pic>
+        <p:nvPicPr>
+          <p:cNvPr id="8" name="Grafik 7">
+            <a:extLst>
+              <a:ext uri="{FF2B5EF4-FFF2-40B4-BE49-F238E27FC236}">
+                <a16:creationId xmlns:a16="http://schemas.microsoft.com/office/drawing/2014/main" id="{43512302-EEC3-4B21-A8BA-D07DB8EB3064}"/>
+              </a:ext>
+            </a:extLst>
+          </p:cNvPr>
+          <p:cNvPicPr>
+            <a:picLocks noChangeAspect="1"/>
+          </p:cNvPicPr>
+          <p:nvPr/>
+        </p:nvPicPr>
+        <p:blipFill>
+          <a:blip r:embed="rId4"/>
+          <a:stretch>
+            <a:fillRect/>
+          </a:stretch>
+        </p:blipFill>
+        <p:spPr>
+          <a:xfrm>
+            <a:off x="777677" y="5508104"/>
+            <a:ext cx="5328592" cy="2232248"/>
+          </a:xfrm>
+          <a:prstGeom prst="rect">
+            <a:avLst/>
+          </a:prstGeom>
+          <a:ln w="3175">
+            <a:solidFill>
+              <a:schemeClr val="tx1"/>
+            </a:solidFill>
+          </a:ln>
+          <a:effectLst>
+            <a:softEdge rad="317500"/>
+          </a:effectLst>
+        </p:spPr>
+      </p:pic>
     </p:spTree>
     <p:extLst>
       <p:ext uri="{BB962C8B-B14F-4D97-AF65-F5344CB8AC3E}">
@@ -6041,7 +6041,6 @@
             <a:tailEnd type="none" w="med" len="med"/>
           </a:ln>
           <a:effectLst/>
-          <a:extLst/>
         </p:spPr>
         <p:txBody>
           <a:bodyPr vert="horz" wrap="square" lIns="91440" tIns="45720" rIns="91440" bIns="45720" numCol="1" rtlCol="0" anchor="t" anchorCtr="0" compatLnSpc="1">
@@ -6068,10 +6067,10 @@
               <a:tabLst/>
             </a:pPr>
             <a:r>
-              <a:rPr lang="de-DE" sz="2400" b="1" dirty="0" smtClean="0"/>
+              <a:rPr lang="de-DE" sz="2400" b="1" dirty="0"/>
               <a:t>GAME CONTROLS</a:t>
             </a:r>
-            <a:endParaRPr kumimoji="0" lang="de-DE" sz="2400" b="1" i="0" u="none" strike="noStrike" cap="none" normalizeH="0" baseline="0" dirty="0" smtClean="0">
+            <a:endParaRPr kumimoji="0" lang="de-DE" sz="2400" b="1" i="0" u="none" strike="noStrike" cap="none" normalizeH="0" baseline="0" dirty="0">
               <a:ln>
                 <a:noFill/>
               </a:ln>
@@ -6107,16 +6106,16 @@
           <a:lstStyle/>
           <a:p>
             <a:r>
-              <a:rPr lang="en-US" sz="1200" b="1" dirty="0" smtClean="0"/>
+              <a:rPr lang="en-US" sz="1200" b="1" dirty="0"/>
               <a:t>MY GAME</a:t>
             </a:r>
             <a:r>
-              <a:rPr lang="en-US" sz="1200" dirty="0" smtClean="0"/>
+              <a:rPr lang="en-US" sz="1200" dirty="0"/>
               <a:t> is designed to be played with the built-in control panel only. The functions of the controls are:</a:t>
             </a:r>
           </a:p>
           <a:p>
-            <a:endParaRPr lang="en-US" sz="1800" dirty="0" smtClean="0"/>
+            <a:endParaRPr lang="en-US" sz="1800" dirty="0"/>
           </a:p>
         </p:txBody>
       </p:sp>
@@ -6147,7 +6146,6 @@
             <a:tailEnd type="none" w="med" len="med"/>
           </a:ln>
           <a:effectLst/>
-          <a:extLst/>
         </p:spPr>
         <p:txBody>
           <a:bodyPr vert="horz" wrap="square" lIns="91440" tIns="45720" rIns="91440" bIns="45720" numCol="1" rtlCol="0" anchor="t" anchorCtr="0" compatLnSpc="1">
@@ -6173,7 +6171,7 @@
               <a:buNone/>
               <a:tabLst/>
             </a:pPr>
-            <a:endParaRPr lang="de-DE" sz="2400" b="1" dirty="0" smtClean="0">
+            <a:endParaRPr lang="de-DE" sz="2400" b="1" dirty="0">
               <a:effectLst>
                 <a:outerShdw blurRad="38100" dist="38100" dir="2700000" algn="tl">
                   <a:srgbClr val="000000">
@@ -6201,10 +6199,10 @@
               <a:tabLst/>
             </a:pPr>
             <a:r>
-              <a:rPr lang="de-DE" sz="4000" b="1" dirty="0" smtClean="0"/>
+              <a:rPr lang="de-DE" sz="4000" b="1" dirty="0"/>
               <a:t>MY GAME</a:t>
             </a:r>
-            <a:endParaRPr kumimoji="0" lang="de-DE" sz="4000" b="1" i="0" u="none" strike="noStrike" normalizeH="0" dirty="0" smtClean="0">
+            <a:endParaRPr kumimoji="0" lang="de-DE" sz="4000" b="1" i="0" u="none" strike="noStrike" normalizeH="0" dirty="0">
               <a:ln>
                 <a:noFill/>
               </a:ln>
@@ -6224,9 +6222,9 @@
         <p:grpSpPr>
           <a:xfrm>
             <a:off x="908720" y="3945346"/>
-            <a:ext cx="5039841" cy="4213666"/>
+            <a:ext cx="5039841" cy="3890501"/>
             <a:chOff x="908720" y="4083575"/>
-            <a:chExt cx="5039841" cy="4213666"/>
+            <a:chExt cx="5039841" cy="3890501"/>
           </a:xfrm>
         </p:grpSpPr>
         <p:pic>
@@ -6279,7 +6277,7 @@
           <p:spPr>
             <a:xfrm>
               <a:off x="908720" y="4083575"/>
-              <a:ext cx="2016224" cy="577081"/>
+              <a:ext cx="2016224" cy="415498"/>
             </a:xfrm>
             <a:prstGeom prst="rect">
               <a:avLst/>
@@ -6293,16 +6291,15 @@
             <a:lstStyle/>
             <a:p>
               <a:r>
-                <a:rPr lang="en-US" sz="1050" b="1" dirty="0" smtClean="0"/>
+                <a:rPr lang="en-US" sz="1050" b="1" dirty="0"/>
                 <a:t>Button 1</a:t>
               </a:r>
             </a:p>
             <a:p>
               <a:r>
-                <a:rPr lang="en-US" sz="1050" dirty="0" smtClean="0"/>
-                <a:t>Short description of what button 1 does</a:t>
+                <a:rPr lang="en-US" sz="1050" dirty="0"/>
+                <a:t>Close menu</a:t>
               </a:r>
-              <a:endParaRPr lang="en-US" sz="1050" dirty="0"/>
             </a:p>
           </p:txBody>
         </p:sp>
@@ -6315,7 +6312,7 @@
           <p:spPr>
             <a:xfrm>
               <a:off x="3932337" y="4099578"/>
-              <a:ext cx="2016224" cy="577081"/>
+              <a:ext cx="2016224" cy="415498"/>
             </a:xfrm>
             <a:prstGeom prst="rect">
               <a:avLst/>
@@ -6329,22 +6326,14 @@
             <a:lstStyle/>
             <a:p>
               <a:r>
-                <a:rPr lang="en-US" sz="1050" b="1" dirty="0" smtClean="0"/>
+                <a:rPr lang="en-US" sz="1050" b="1" dirty="0"/>
                 <a:t>Button 2</a:t>
               </a:r>
             </a:p>
             <a:p>
               <a:r>
                 <a:rPr lang="en-US" sz="1050" dirty="0"/>
-                <a:t>Short description of what button </a:t>
-              </a:r>
-              <a:r>
-                <a:rPr lang="en-US" sz="1050" dirty="0" smtClean="0"/>
-                <a:t>2 </a:t>
-              </a:r>
-              <a:r>
-                <a:rPr lang="en-US" sz="1050" dirty="0"/>
-                <a:t>does</a:t>
+                <a:t>Level up your items at menu</a:t>
               </a:r>
             </a:p>
           </p:txBody>
@@ -6372,21 +6361,15 @@
             <a:lstStyle/>
             <a:p>
               <a:r>
-                <a:rPr lang="en-US" sz="1050" b="1" dirty="0" smtClean="0"/>
+                <a:rPr lang="en-US" sz="1050" b="1" dirty="0"/>
                 <a:t>Joystick</a:t>
               </a:r>
-              <a:endParaRPr lang="en-US" sz="1050" b="1" dirty="0"/>
             </a:p>
             <a:p>
               <a:r>
                 <a:rPr lang="en-US" sz="1050" dirty="0"/>
-                <a:t>Short description of what </a:t>
+                <a:t>Rotate the player in any direction</a:t>
               </a:r>
-              <a:r>
-                <a:rPr lang="en-US" sz="1050" dirty="0" smtClean="0"/>
-                <a:t>the joystick is used for</a:t>
-              </a:r>
-              <a:endParaRPr lang="en-US" sz="1050" dirty="0"/>
             </a:p>
           </p:txBody>
         </p:sp>
@@ -6399,7 +6382,7 @@
           <p:spPr>
             <a:xfrm>
               <a:off x="2708921" y="7396995"/>
-              <a:ext cx="1152127" cy="900246"/>
+              <a:ext cx="1152127" cy="415498"/>
             </a:xfrm>
             <a:prstGeom prst="rect">
               <a:avLst/>
@@ -6414,26 +6397,13 @@
             <a:p>
               <a:r>
                 <a:rPr lang="en-US" sz="1050" b="1" dirty="0"/>
-                <a:t>Button </a:t>
+                <a:t>Button 3</a:t>
               </a:r>
-              <a:r>
-                <a:rPr lang="en-US" sz="1050" b="1" dirty="0" smtClean="0"/>
-                <a:t>3</a:t>
-              </a:r>
-              <a:endParaRPr lang="en-US" sz="1050" b="1" dirty="0"/>
             </a:p>
             <a:p>
               <a:r>
                 <a:rPr lang="en-US" sz="1050" dirty="0"/>
-                <a:t>Short description of what button </a:t>
-              </a:r>
-              <a:r>
-                <a:rPr lang="en-US" sz="1050" dirty="0" smtClean="0"/>
-                <a:t>3 </a:t>
-              </a:r>
-              <a:r>
-                <a:rPr lang="en-US" sz="1050" dirty="0"/>
-                <a:t>does</a:t>
+                <a:t>- Not used -</a:t>
               </a:r>
             </a:p>
           </p:txBody>
@@ -6447,7 +6417,7 @@
           <p:spPr>
             <a:xfrm>
               <a:off x="4009359" y="7396995"/>
-              <a:ext cx="1579881" cy="577081"/>
+              <a:ext cx="1579881" cy="415498"/>
             </a:xfrm>
             <a:prstGeom prst="rect">
               <a:avLst/>
@@ -6462,26 +6432,13 @@
             <a:p>
               <a:r>
                 <a:rPr lang="en-US" sz="1050" b="1" dirty="0"/>
-                <a:t>Button </a:t>
+                <a:t>Button 4</a:t>
               </a:r>
-              <a:r>
-                <a:rPr lang="en-US" sz="1050" b="1" dirty="0" smtClean="0"/>
-                <a:t>4</a:t>
-              </a:r>
-              <a:endParaRPr lang="en-US" sz="1050" b="1" dirty="0"/>
             </a:p>
             <a:p>
               <a:r>
                 <a:rPr lang="en-US" sz="1050" dirty="0"/>
-                <a:t>Short description of what button </a:t>
-              </a:r>
-              <a:r>
-                <a:rPr lang="en-US" sz="1050" dirty="0" smtClean="0"/>
-                <a:t>4 </a:t>
-              </a:r>
-              <a:r>
-                <a:rPr lang="en-US" sz="1050" dirty="0"/>
-                <a:t>does</a:t>
+                <a:t>Shot</a:t>
               </a:r>
             </a:p>
           </p:txBody>
@@ -6545,7 +6502,6 @@
             <a:tailEnd type="none" w="med" len="med"/>
           </a:ln>
           <a:effectLst/>
-          <a:extLst/>
         </p:spPr>
         <p:txBody>
           <a:bodyPr vert="horz" wrap="square" lIns="91440" tIns="45720" rIns="91440" bIns="45720" numCol="1" rtlCol="0" anchor="t" anchorCtr="0" compatLnSpc="1">
@@ -6572,10 +6528,10 @@
               <a:tabLst/>
             </a:pPr>
             <a:r>
-              <a:rPr lang="de-DE" sz="2400" b="1" dirty="0" smtClean="0"/>
+              <a:rPr lang="de-DE" sz="2400" b="1" dirty="0"/>
               <a:t>HOW TO PLAY</a:t>
             </a:r>
-            <a:endParaRPr kumimoji="0" lang="de-DE" sz="2400" b="1" i="0" u="none" strike="noStrike" cap="none" normalizeH="0" baseline="0" dirty="0" smtClean="0">
+            <a:endParaRPr kumimoji="0" lang="de-DE" sz="2400" b="1" i="0" u="none" strike="noStrike" cap="none" normalizeH="0" baseline="0" dirty="0">
               <a:ln>
                 <a:noFill/>
               </a:ln>
@@ -6597,7 +6553,7 @@
         <p:spPr>
           <a:xfrm>
             <a:off x="764704" y="1380946"/>
-            <a:ext cx="5328592" cy="3170099"/>
+            <a:ext cx="5328592" cy="6832640"/>
           </a:xfrm>
           <a:prstGeom prst="rect">
             <a:avLst/>
@@ -6611,64 +6567,188 @@
           <a:lstStyle/>
           <a:p>
             <a:r>
-              <a:rPr lang="en-US" sz="1400" b="1" dirty="0" smtClean="0"/>
+              <a:rPr lang="en-US" sz="1400" b="1" dirty="0"/>
               <a:t>PLAYER SELECTION</a:t>
             </a:r>
           </a:p>
           <a:p>
             <a:r>
-              <a:rPr lang="en-US" sz="1200" dirty="0" smtClean="0"/>
-              <a:t>Description of how many players can play this game and of how the number of players is selected in the game menu.</a:t>
-            </a:r>
-          </a:p>
-          <a:p>
-            <a:endParaRPr lang="en-US" sz="1200" dirty="0" smtClean="0"/>
-          </a:p>
-          <a:p>
-            <a:endParaRPr lang="en-US" sz="1200" dirty="0" smtClean="0"/>
-          </a:p>
-          <a:p>
-            <a:r>
-              <a:rPr lang="en-US" sz="1400" b="1" dirty="0" smtClean="0"/>
+              <a:rPr lang="en-US" sz="1200" dirty="0"/>
+              <a:t>Only one Player can play this game.</a:t>
+            </a:r>
+          </a:p>
+          <a:p>
+            <a:endParaRPr lang="en-US" sz="1200" dirty="0"/>
+          </a:p>
+          <a:p>
+            <a:r>
+              <a:rPr lang="en-US" sz="1400" b="1" dirty="0"/>
               <a:t>OPTION SELECTION</a:t>
             </a:r>
           </a:p>
           <a:p>
             <a:r>
-              <a:rPr lang="en-US" sz="1200" dirty="0" smtClean="0"/>
-              <a:t>Description of the available game options and of how these options are selected in the game menu.</a:t>
-            </a:r>
-          </a:p>
-          <a:p>
-            <a:endParaRPr lang="en-US" sz="1200" dirty="0" smtClean="0"/>
-          </a:p>
-          <a:p>
-            <a:r>
-              <a:rPr lang="en-US" sz="1400" b="1" dirty="0" smtClean="0"/>
+              <a:rPr lang="en-US" sz="1200" dirty="0"/>
+              <a:t>Only one game mode.</a:t>
+            </a:r>
+          </a:p>
+          <a:p>
+            <a:endParaRPr lang="en-US" sz="1200" dirty="0"/>
+          </a:p>
+          <a:p>
+            <a:r>
+              <a:rPr lang="en-US" sz="1400" b="1" dirty="0"/>
               <a:t>GAME PLAY</a:t>
             </a:r>
           </a:p>
           <a:p>
             <a:r>
-              <a:rPr lang="en-US" sz="1200" dirty="0" smtClean="0"/>
-              <a:t>Detailed description of what the game is about and of how the game is played.</a:t>
-            </a:r>
-          </a:p>
-          <a:p>
-            <a:endParaRPr lang="en-US" sz="1200" dirty="0" smtClean="0"/>
-          </a:p>
-          <a:p>
-            <a:r>
-              <a:rPr lang="en-US" sz="1400" b="1" dirty="0" smtClean="0"/>
-              <a:t>WHATEVER ELSE IS IMPORTANT</a:t>
-            </a:r>
-          </a:p>
-          <a:p>
-            <a:r>
-              <a:rPr lang="en-US" sz="1200" dirty="0" smtClean="0"/>
-              <a:t>Description of whatever else is important in the game. Scores, lives, bonus points, etc.</a:t>
-            </a:r>
+              <a:rPr lang="en-US" sz="1200" dirty="0"/>
+              <a:t>You can only win this game if you defend all Waves of enemy attacks.</a:t>
+            </a:r>
+          </a:p>
+          <a:p>
             <a:endParaRPr lang="en-US" sz="1200" dirty="0"/>
+          </a:p>
+          <a:p>
+            <a:r>
+              <a:rPr lang="en-US" sz="1200" dirty="0"/>
+              <a:t>Each Wave can be divided into three phases, in each phase, up to 5 Enemies try to destroy your tower. Each Enemy that you or your tower destroy gives you money. After you alive on Wave you can Upgrade your Player or Tower.</a:t>
+            </a:r>
+          </a:p>
+          <a:p>
+            <a:endParaRPr lang="en-US" sz="1200" dirty="0"/>
+          </a:p>
+          <a:p>
+            <a:r>
+              <a:rPr lang="en-US" sz="1200" dirty="0"/>
+              <a:t>Player Upgrades:</a:t>
+            </a:r>
+          </a:p>
+          <a:p>
+            <a:r>
+              <a:rPr lang="en-US" sz="1200" dirty="0"/>
+              <a:t>-&gt; Player Level: </a:t>
+            </a:r>
+          </a:p>
+          <a:p>
+            <a:r>
+              <a:rPr lang="en-US" sz="1200" dirty="0"/>
+              <a:t>	-&gt; 1: On Direction to Shoot </a:t>
+            </a:r>
+            <a:r>
+              <a:rPr lang="en-US" sz="1200" dirty="0" err="1"/>
+              <a:t>Bulltes</a:t>
+            </a:r>
+            <a:endParaRPr lang="en-US" sz="1200" dirty="0"/>
+          </a:p>
+          <a:p>
+            <a:r>
+              <a:rPr lang="en-US" sz="1200" dirty="0"/>
+              <a:t>	-&gt; 2: Two Directions to Shoot Bullets</a:t>
+            </a:r>
+          </a:p>
+          <a:p>
+            <a:r>
+              <a:rPr lang="en-US" sz="1200" dirty="0"/>
+              <a:t>	-&gt; 3: Tree Direction to Shoot Bullets </a:t>
+            </a:r>
+          </a:p>
+          <a:p>
+            <a:r>
+              <a:rPr lang="en-US" sz="1200" dirty="0"/>
+              <a:t>-&gt; Player Fire rate:</a:t>
+            </a:r>
+          </a:p>
+          <a:p>
+            <a:r>
+              <a:rPr lang="en-US" sz="1200" dirty="0"/>
+              <a:t>	-&gt; 1: Fire rate 1</a:t>
+            </a:r>
+          </a:p>
+          <a:p>
+            <a:r>
+              <a:rPr lang="en-US" sz="1200" dirty="0"/>
+              <a:t>	-&gt; 2: Fire rate 2</a:t>
+            </a:r>
+          </a:p>
+          <a:p>
+            <a:r>
+              <a:rPr lang="en-US" sz="1200" dirty="0"/>
+              <a:t>	-&gt; 3: Fire rate 5</a:t>
+            </a:r>
+          </a:p>
+          <a:p>
+            <a:r>
+              <a:rPr lang="en-US" sz="1200" dirty="0"/>
+              <a:t>Tower Upgrades:</a:t>
+            </a:r>
+          </a:p>
+          <a:p>
+            <a:r>
+              <a:rPr lang="en-US" sz="1200" dirty="0"/>
+              <a:t>-&gt; Tower Level:</a:t>
+            </a:r>
+          </a:p>
+          <a:p>
+            <a:r>
+              <a:rPr lang="en-US" sz="1200" dirty="0"/>
+              <a:t>	-&gt; 1: Shoot in one Direction</a:t>
+            </a:r>
+          </a:p>
+          <a:p>
+            <a:r>
+              <a:rPr lang="en-US" sz="1200" dirty="0"/>
+              <a:t>	-&gt; 2: Shoot in two Directions</a:t>
+            </a:r>
+          </a:p>
+          <a:p>
+            <a:r>
+              <a:rPr lang="en-US" sz="1200" dirty="0"/>
+              <a:t>	-&gt; 3: Shoot in three Directions</a:t>
+            </a:r>
+          </a:p>
+          <a:p>
+            <a:r>
+              <a:rPr lang="en-US" sz="1200" dirty="0"/>
+              <a:t>	-&gt; 4: Shoot in four Directions</a:t>
+            </a:r>
+          </a:p>
+          <a:p>
+            <a:r>
+              <a:rPr lang="en-US" sz="1200" dirty="0"/>
+              <a:t>-&gt; Tower Fire rate:</a:t>
+            </a:r>
+          </a:p>
+          <a:p>
+            <a:r>
+              <a:rPr lang="en-US" sz="1200" dirty="0"/>
+              <a:t>	-&gt; 1: Fire rate 1</a:t>
+            </a:r>
+          </a:p>
+          <a:p>
+            <a:r>
+              <a:rPr lang="en-US" sz="1200" dirty="0"/>
+              <a:t>	-&gt; 2: Fire rate 2</a:t>
+            </a:r>
+          </a:p>
+          <a:p>
+            <a:r>
+              <a:rPr lang="en-US" sz="1200" dirty="0"/>
+              <a:t>	-&gt; 3: Fire rate 5</a:t>
+            </a:r>
+          </a:p>
+          <a:p>
+            <a:endParaRPr lang="en-US" sz="1200" dirty="0"/>
+          </a:p>
+          <a:p>
+            <a:endParaRPr lang="en-US" sz="1200" dirty="0"/>
+          </a:p>
+          <a:p>
+            <a:r>
+              <a:rPr lang="en-US" sz="1200" dirty="0"/>
+              <a:t>	</a:t>
+            </a:r>
           </a:p>
         </p:txBody>
       </p:sp>
@@ -6711,8 +6791,8 @@
         </p:nvSpPr>
         <p:spPr bwMode="auto">
           <a:xfrm>
-            <a:off x="665333" y="790557"/>
-            <a:ext cx="5527334" cy="436368"/>
+            <a:off x="665333" y="782084"/>
+            <a:ext cx="5527334" cy="432048"/>
           </a:xfrm>
           <a:prstGeom prst="rect">
             <a:avLst/>
@@ -6730,7 +6810,6 @@
             <a:tailEnd type="none" w="med" len="med"/>
           </a:ln>
           <a:effectLst/>
-          <a:extLst/>
         </p:spPr>
         <p:txBody>
           <a:bodyPr vert="horz" wrap="square" lIns="91440" tIns="45720" rIns="91440" bIns="45720" numCol="1" rtlCol="0" anchor="t" anchorCtr="0" compatLnSpc="1">
@@ -6757,374 +6836,10 @@
               <a:tabLst/>
             </a:pPr>
             <a:r>
-              <a:rPr lang="de-DE" sz="2400" b="1" dirty="0" smtClean="0"/>
-              <a:t>SCORING</a:t>
-            </a:r>
-            <a:endParaRPr kumimoji="0" lang="de-DE" sz="2400" b="1" i="0" u="none" strike="noStrike" cap="none" normalizeH="0" baseline="0" dirty="0" smtClean="0">
-              <a:ln>
-                <a:noFill/>
-              </a:ln>
-              <a:solidFill>
-                <a:schemeClr val="tx1"/>
-              </a:solidFill>
-              <a:effectLst/>
-              <a:latin typeface="Arial" charset="0"/>
-            </a:endParaRPr>
-          </a:p>
-        </p:txBody>
-      </p:sp>
-      <p:sp>
-        <p:nvSpPr>
-          <p:cNvPr id="5" name="Textfeld 4"/>
-          <p:cNvSpPr txBox="1"/>
-          <p:nvPr/>
-        </p:nvSpPr>
-        <p:spPr>
-          <a:xfrm>
-            <a:off x="764704" y="1380946"/>
-            <a:ext cx="5328592" cy="2308324"/>
-          </a:xfrm>
-          <a:prstGeom prst="rect">
-            <a:avLst/>
-          </a:prstGeom>
-          <a:noFill/>
-        </p:spPr>
-        <p:txBody>
-          <a:bodyPr wrap="square" rtlCol="0">
-            <a:spAutoFit/>
-          </a:bodyPr>
-          <a:lstStyle/>
-          <a:p>
-            <a:r>
-              <a:rPr lang="en-US" sz="1200" dirty="0" smtClean="0"/>
-              <a:t>Points are awarded for achieving the following:</a:t>
-            </a:r>
-          </a:p>
-          <a:p>
-            <a:endParaRPr lang="en-US" sz="1200" dirty="0" smtClean="0"/>
-          </a:p>
-          <a:p>
-            <a:endParaRPr lang="en-US" sz="1200" dirty="0" smtClean="0"/>
-          </a:p>
-          <a:p>
-            <a:endParaRPr lang="en-US" sz="1200" dirty="0" smtClean="0"/>
-          </a:p>
-          <a:p>
-            <a:endParaRPr lang="en-US" sz="1200" dirty="0"/>
-          </a:p>
-          <a:p>
-            <a:endParaRPr lang="en-US" sz="1200" dirty="0" smtClean="0"/>
-          </a:p>
-          <a:p>
-            <a:endParaRPr lang="en-US" sz="1200" dirty="0"/>
-          </a:p>
-          <a:p>
-            <a:endParaRPr lang="en-US" sz="1200" dirty="0"/>
-          </a:p>
-          <a:p>
-            <a:endParaRPr lang="en-US" sz="1200" dirty="0"/>
-          </a:p>
-          <a:p>
-            <a:r>
-              <a:rPr lang="en-US" sz="1200" dirty="0" smtClean="0"/>
-              <a:t>You will earn extra points for… </a:t>
-            </a:r>
-          </a:p>
-          <a:p>
-            <a:endParaRPr lang="en-US" sz="1200" dirty="0" smtClean="0"/>
-          </a:p>
-          <a:p>
-            <a:endParaRPr lang="en-US" sz="1200" dirty="0" smtClean="0"/>
-          </a:p>
-        </p:txBody>
-      </p:sp>
-      <p:sp>
-        <p:nvSpPr>
-          <p:cNvPr id="6" name="Rechteck 5"/>
-          <p:cNvSpPr/>
-          <p:nvPr/>
-        </p:nvSpPr>
-        <p:spPr bwMode="auto">
-          <a:xfrm>
-            <a:off x="665333" y="4976508"/>
-            <a:ext cx="5527334" cy="436368"/>
-          </a:xfrm>
-          <a:prstGeom prst="rect">
-            <a:avLst/>
-          </a:prstGeom>
-          <a:solidFill>
-            <a:schemeClr val="bg1">
-              <a:lumMod val="65000"/>
-            </a:schemeClr>
-          </a:solidFill>
-          <a:ln w="9525" cap="flat" cmpd="sng" algn="ctr">
-            <a:noFill/>
-            <a:prstDash val="solid"/>
-            <a:round/>
-            <a:headEnd type="none" w="med" len="med"/>
-            <a:tailEnd type="none" w="med" len="med"/>
-          </a:ln>
-          <a:effectLst/>
-          <a:extLst/>
-        </p:spPr>
-        <p:txBody>
-          <a:bodyPr vert="horz" wrap="square" lIns="91440" tIns="45720" rIns="91440" bIns="45720" numCol="1" rtlCol="0" anchor="t" anchorCtr="0" compatLnSpc="1">
-            <a:prstTxWarp prst="textNoShape">
-              <a:avLst/>
-            </a:prstTxWarp>
-          </a:bodyPr>
-          <a:lstStyle/>
-          <a:p>
-            <a:pPr marL="0" marR="0" indent="0" algn="ctr" defTabSz="914400" rtl="0" eaLnBrk="0" fontAlgn="base" latinLnBrk="0" hangingPunct="0">
-              <a:lnSpc>
-                <a:spcPct val="100000"/>
-              </a:lnSpc>
-              <a:spcBef>
-                <a:spcPct val="0"/>
-              </a:spcBef>
-              <a:spcAft>
-                <a:spcPct val="0"/>
-              </a:spcAft>
-              <a:buClrTx/>
-              <a:buSzTx/>
-              <a:buFontTx/>
-              <a:buNone/>
-              <a:tabLst/>
-            </a:pPr>
-            <a:r>
-              <a:rPr lang="de-DE" sz="2400" b="1" dirty="0" smtClean="0"/>
-              <a:t>HIGH SCORE MEMORY</a:t>
-            </a:r>
-            <a:endParaRPr kumimoji="0" lang="de-DE" sz="2400" b="1" i="0" u="none" strike="noStrike" cap="none" normalizeH="0" baseline="0" dirty="0" smtClean="0">
-              <a:ln>
-                <a:noFill/>
-              </a:ln>
-              <a:solidFill>
-                <a:schemeClr val="tx1"/>
-              </a:solidFill>
-              <a:effectLst/>
-              <a:latin typeface="Arial" charset="0"/>
-            </a:endParaRPr>
-          </a:p>
-        </p:txBody>
-      </p:sp>
-      <p:sp>
-        <p:nvSpPr>
-          <p:cNvPr id="7" name="Rechteck 6"/>
-          <p:cNvSpPr/>
-          <p:nvPr/>
-        </p:nvSpPr>
-        <p:spPr bwMode="auto">
-          <a:xfrm>
-            <a:off x="665333" y="6450436"/>
-            <a:ext cx="5527334" cy="436368"/>
-          </a:xfrm>
-          <a:prstGeom prst="rect">
-            <a:avLst/>
-          </a:prstGeom>
-          <a:solidFill>
-            <a:schemeClr val="bg1">
-              <a:lumMod val="65000"/>
-            </a:schemeClr>
-          </a:solidFill>
-          <a:ln w="9525" cap="flat" cmpd="sng" algn="ctr">
-            <a:noFill/>
-            <a:prstDash val="solid"/>
-            <a:round/>
-            <a:headEnd type="none" w="med" len="med"/>
-            <a:tailEnd type="none" w="med" len="med"/>
-          </a:ln>
-          <a:effectLst/>
-          <a:extLst/>
-        </p:spPr>
-        <p:txBody>
-          <a:bodyPr vert="horz" wrap="square" lIns="91440" tIns="45720" rIns="91440" bIns="45720" numCol="1" rtlCol="0" anchor="t" anchorCtr="0" compatLnSpc="1">
-            <a:prstTxWarp prst="textNoShape">
-              <a:avLst/>
-            </a:prstTxWarp>
-          </a:bodyPr>
-          <a:lstStyle/>
-          <a:p>
-            <a:pPr marL="0" marR="0" indent="0" algn="ctr" defTabSz="914400" rtl="0" eaLnBrk="0" fontAlgn="base" latinLnBrk="0" hangingPunct="0">
-              <a:lnSpc>
-                <a:spcPct val="100000"/>
-              </a:lnSpc>
-              <a:spcBef>
-                <a:spcPct val="0"/>
-              </a:spcBef>
-              <a:spcAft>
-                <a:spcPct val="0"/>
-              </a:spcAft>
-              <a:buClrTx/>
-              <a:buSzTx/>
-              <a:buFontTx/>
-              <a:buNone/>
-              <a:tabLst/>
-            </a:pPr>
-            <a:r>
-              <a:rPr lang="de-DE" sz="2400" b="1" dirty="0" smtClean="0"/>
-              <a:t>RESTARTING THE GAME</a:t>
-            </a:r>
-            <a:endParaRPr kumimoji="0" lang="de-DE" sz="2400" b="1" i="0" u="none" strike="noStrike" cap="none" normalizeH="0" baseline="0" dirty="0" smtClean="0">
-              <a:ln>
-                <a:noFill/>
-              </a:ln>
-              <a:solidFill>
-                <a:schemeClr val="tx1"/>
-              </a:solidFill>
-              <a:effectLst/>
-              <a:latin typeface="Arial" charset="0"/>
-            </a:endParaRPr>
-          </a:p>
-        </p:txBody>
-      </p:sp>
-      <p:sp>
-        <p:nvSpPr>
-          <p:cNvPr id="8" name="Textfeld 7"/>
-          <p:cNvSpPr txBox="1"/>
-          <p:nvPr/>
-        </p:nvSpPr>
-        <p:spPr>
-          <a:xfrm>
-            <a:off x="764704" y="5552572"/>
-            <a:ext cx="5328592" cy="646331"/>
-          </a:xfrm>
-          <a:prstGeom prst="rect">
-            <a:avLst/>
-          </a:prstGeom>
-          <a:noFill/>
-        </p:spPr>
-        <p:txBody>
-          <a:bodyPr wrap="square" rtlCol="0">
-            <a:spAutoFit/>
-          </a:bodyPr>
-          <a:lstStyle/>
-          <a:p>
-            <a:r>
-              <a:rPr lang="en-US" sz="1200" dirty="0" smtClean="0"/>
-              <a:t>As long as your machine is on, with the game cartridge in place, the highest score is retained. To see this score, press the Reset button. When the machine is turned off and the cartridge removed, the score is lost.</a:t>
-            </a:r>
-          </a:p>
-        </p:txBody>
-      </p:sp>
-      <p:sp>
-        <p:nvSpPr>
-          <p:cNvPr id="9" name="Textfeld 8"/>
-          <p:cNvSpPr txBox="1"/>
-          <p:nvPr/>
-        </p:nvSpPr>
-        <p:spPr>
-          <a:xfrm>
-            <a:off x="764704" y="7034130"/>
-            <a:ext cx="5328592" cy="830997"/>
-          </a:xfrm>
-          <a:prstGeom prst="rect">
-            <a:avLst/>
-          </a:prstGeom>
-          <a:noFill/>
-        </p:spPr>
-        <p:txBody>
-          <a:bodyPr wrap="square" rtlCol="0">
-            <a:spAutoFit/>
-          </a:bodyPr>
-          <a:lstStyle/>
-          <a:p>
-            <a:r>
-              <a:rPr lang="en-US" sz="1200" dirty="0" smtClean="0"/>
-              <a:t>To restart a completed game with the same number of players and the same game option, press any of the four buttons once the game is over. If you wish to restart the game before it is completed, or change the number of players or the game option, press the Reset button.</a:t>
-            </a:r>
-          </a:p>
-        </p:txBody>
-      </p:sp>
-    </p:spTree>
-    <p:extLst>
-      <p:ext uri="{BB962C8B-B14F-4D97-AF65-F5344CB8AC3E}">
-        <p14:creationId xmlns:p14="http://schemas.microsoft.com/office/powerpoint/2010/main" val="2727823676"/>
-      </p:ext>
-    </p:extLst>
-  </p:cSld>
-  <p:clrMapOvr>
-    <a:masterClrMapping/>
-  </p:clrMapOvr>
-  <p:transition/>
-</p:sld>
-</file>
-
-<file path=ppt/slides/slide5.xml><?xml version="1.0" encoding="utf-8"?>
-<p:sld xmlns:a="http://schemas.openxmlformats.org/drawingml/2006/main" xmlns:r="http://schemas.openxmlformats.org/officeDocument/2006/relationships" xmlns:p="http://schemas.openxmlformats.org/presentationml/2006/main">
-  <p:cSld>
-    <p:spTree>
-      <p:nvGrpSpPr>
-        <p:cNvPr id="1" name=""/>
-        <p:cNvGrpSpPr/>
-        <p:nvPr/>
-      </p:nvGrpSpPr>
-      <p:grpSpPr>
-        <a:xfrm>
-          <a:off x="0" y="0"/>
-          <a:ext cx="0" cy="0"/>
-          <a:chOff x="0" y="0"/>
-          <a:chExt cx="0" cy="0"/>
-        </a:xfrm>
-      </p:grpSpPr>
-      <p:sp>
-        <p:nvSpPr>
-          <p:cNvPr id="4" name="Rechteck 3"/>
-          <p:cNvSpPr/>
-          <p:nvPr/>
-        </p:nvSpPr>
-        <p:spPr bwMode="auto">
-          <a:xfrm>
-            <a:off x="665333" y="782084"/>
-            <a:ext cx="5527334" cy="432048"/>
-          </a:xfrm>
-          <a:prstGeom prst="rect">
-            <a:avLst/>
-          </a:prstGeom>
-          <a:solidFill>
-            <a:schemeClr val="bg1">
-              <a:lumMod val="65000"/>
-            </a:schemeClr>
-          </a:solidFill>
-          <a:ln w="9525" cap="flat" cmpd="sng" algn="ctr">
-            <a:noFill/>
-            <a:prstDash val="solid"/>
-            <a:round/>
-            <a:headEnd type="none" w="med" len="med"/>
-            <a:tailEnd type="none" w="med" len="med"/>
-          </a:ln>
-          <a:effectLst/>
-          <a:extLst/>
-        </p:spPr>
-        <p:txBody>
-          <a:bodyPr vert="horz" wrap="square" lIns="91440" tIns="45720" rIns="91440" bIns="45720" numCol="1" rtlCol="0" anchor="t" anchorCtr="0" compatLnSpc="1">
-            <a:prstTxWarp prst="textNoShape">
-              <a:avLst/>
-            </a:prstTxWarp>
-          </a:bodyPr>
-          <a:lstStyle/>
-          <a:p>
-            <a:pPr marL="0" marR="0" indent="0" algn="ctr" defTabSz="914400" rtl="0" eaLnBrk="0" fontAlgn="base" latinLnBrk="0" hangingPunct="0">
-              <a:lnSpc>
-                <a:spcPct val="100000"/>
-              </a:lnSpc>
-              <a:spcBef>
-                <a:spcPct val="0"/>
-              </a:spcBef>
-              <a:spcAft>
-                <a:spcPct val="0"/>
-              </a:spcAft>
-              <a:buClrTx/>
-              <a:buSzTx/>
-              <a:buFontTx/>
-              <a:buNone/>
-              <a:tabLst/>
-            </a:pPr>
-            <a:r>
-              <a:rPr lang="de-DE" sz="2400" b="1" dirty="0" smtClean="0"/>
+              <a:rPr lang="de-DE" sz="2400" b="1" dirty="0"/>
               <a:t>SETTING UP</a:t>
             </a:r>
-            <a:endParaRPr kumimoji="0" lang="de-DE" sz="2400" b="1" i="0" u="none" strike="noStrike" cap="none" normalizeH="0" baseline="0" dirty="0" smtClean="0">
+            <a:endParaRPr kumimoji="0" lang="de-DE" sz="2400" b="1" i="0" u="none" strike="noStrike" cap="none" normalizeH="0" baseline="0" dirty="0">
               <a:ln>
                 <a:noFill/>
               </a:ln>
@@ -7215,7 +6930,6 @@
               <a:tailEnd type="none" w="med" len="med"/>
             </a:ln>
             <a:effectLst/>
-            <a:extLst/>
           </p:spPr>
           <p:txBody>
             <a:bodyPr vert="horz" wrap="square" lIns="91440" tIns="45720" rIns="91440" bIns="45720" numCol="1" rtlCol="0" anchor="t" anchorCtr="0" compatLnSpc="1">
@@ -7241,7 +6955,7 @@
                 <a:buNone/>
                 <a:tabLst/>
               </a:pPr>
-              <a:endParaRPr kumimoji="0" lang="de-DE" sz="2000" b="0" i="0" u="none" strike="noStrike" cap="none" normalizeH="0" baseline="0" smtClean="0">
+              <a:endParaRPr kumimoji="0" lang="de-DE" sz="2000" b="0" i="0" u="none" strike="noStrike" cap="none" normalizeH="0" baseline="0">
                 <a:ln>
                   <a:noFill/>
                 </a:ln>
@@ -7283,7 +6997,6 @@
               <a:tailEnd type="none" w="med" len="med"/>
             </a:ln>
             <a:effectLst/>
-            <a:extLst/>
           </p:spPr>
           <p:txBody>
             <a:bodyPr vert="horz" wrap="square" lIns="91440" tIns="45720" rIns="91440" bIns="45720" numCol="1" rtlCol="0" anchor="t" anchorCtr="0" compatLnSpc="1">
@@ -7309,7 +7022,7 @@
                 <a:buNone/>
                 <a:tabLst/>
               </a:pPr>
-              <a:endParaRPr kumimoji="0" lang="de-DE" sz="2000" b="0" i="0" u="none" strike="noStrike" cap="none" normalizeH="0" baseline="0" smtClean="0">
+              <a:endParaRPr kumimoji="0" lang="de-DE" sz="2000" b="0" i="0" u="none" strike="noStrike" cap="none" normalizeH="0" baseline="0">
                 <a:ln>
                   <a:noFill/>
                 </a:ln>
@@ -7350,7 +7063,6 @@
             <a:tailEnd type="none" w="med" len="med"/>
           </a:ln>
           <a:effectLst/>
-          <a:extLst/>
         </p:spPr>
         <p:txBody>
           <a:bodyPr vert="horz" wrap="square" lIns="91440" tIns="45720" rIns="91440" bIns="45720" numCol="1" rtlCol="0" anchor="t" anchorCtr="0" compatLnSpc="1">
@@ -7377,10 +7089,10 @@
               <a:tabLst/>
             </a:pPr>
             <a:r>
-              <a:rPr lang="de-DE" sz="2400" b="1" dirty="0" smtClean="0"/>
+              <a:rPr lang="de-DE" sz="2400" b="1" dirty="0"/>
               <a:t>CREDITS</a:t>
             </a:r>
-            <a:endParaRPr kumimoji="0" lang="de-DE" sz="2400" b="1" i="0" u="none" strike="noStrike" cap="none" normalizeH="0" baseline="0" dirty="0" smtClean="0">
+            <a:endParaRPr kumimoji="0" lang="de-DE" sz="2400" b="1" i="0" u="none" strike="noStrike" cap="none" normalizeH="0" baseline="0" dirty="0">
               <a:ln>
                 <a:noFill/>
               </a:ln>
@@ -7416,31 +7128,31 @@
           <a:lstStyle/>
           <a:p>
             <a:r>
-              <a:rPr lang="en-US" sz="1100" dirty="0" smtClean="0"/>
+              <a:rPr lang="en-US" sz="1100" dirty="0"/>
               <a:t>This game was developed by </a:t>
             </a:r>
             <a:r>
-              <a:rPr lang="en-US" sz="1100" b="1" dirty="0" err="1" smtClean="0"/>
-              <a:t>Firstname</a:t>
-            </a:r>
-            <a:r>
-              <a:rPr lang="en-US" sz="1100" b="1" dirty="0" smtClean="0"/>
+              <a:rPr lang="en-US" sz="1100" b="1" dirty="0"/>
+              <a:t>Tobias K</a:t>
+            </a:r>
+            <a:r>
+              <a:rPr lang="de-DE" sz="1100" b="1" dirty="0" err="1"/>
+              <a:t>ükelheim</a:t>
+            </a:r>
+            <a:r>
+              <a:rPr lang="de-DE" sz="1100" b="1" dirty="0"/>
               <a:t> </a:t>
             </a:r>
             <a:r>
-              <a:rPr lang="en-US" sz="1100" b="1" dirty="0" err="1" smtClean="0"/>
-              <a:t>Lastname</a:t>
-            </a:r>
-            <a:r>
-              <a:rPr lang="en-US" sz="1100" dirty="0" smtClean="0"/>
-              <a:t> and programmed in C and MC6809 assembly language. It is the outcome of a student project which was part of the elective course “Advanced hardware-oriented C and Assembly Language Programming” at Pforzheim University, Germany, in spring term 2019, supervised and tutored by Prof. Dr. </a:t>
-            </a:r>
-            <a:r>
-              <a:rPr lang="en-US" sz="1100" dirty="0" err="1" smtClean="0"/>
+              <a:rPr lang="en-US" sz="1100" dirty="0"/>
+              <a:t>and programmed in C and MC6809 assembly language. It is the outcome of a student project which was part of the elective course “Advanced hardware-oriented C and Assembly Language Programming” at Pforzheim University, Germany, in spring term 2019, supervised and tutored by Prof. Dr. </a:t>
+            </a:r>
+            <a:r>
+              <a:rPr lang="en-US" sz="1100" dirty="0" err="1"/>
               <a:t>rer</a:t>
             </a:r>
             <a:r>
-              <a:rPr lang="en-US" sz="1100" dirty="0" smtClean="0"/>
+              <a:rPr lang="en-US" sz="1100" dirty="0"/>
               <a:t>. nat. Peer Johannsen. </a:t>
             </a:r>
           </a:p>
@@ -7460,7 +7172,7 @@
 </p:sld>
 </file>
 
-<file path=ppt/slides/slide6.xml><?xml version="1.0" encoding="utf-8"?>
+<file path=ppt/slides/slide5.xml><?xml version="1.0" encoding="utf-8"?>
 <p:sld xmlns:a="http://schemas.openxmlformats.org/drawingml/2006/main" xmlns:r="http://schemas.openxmlformats.org/officeDocument/2006/relationships" xmlns:p="http://schemas.openxmlformats.org/presentationml/2006/main">
   <p:cSld>
     <p:spTree>

--- a/manual/manual_template.pptx
+++ b/manual/manual_template.pptx
@@ -6574,7 +6574,7 @@
           <a:p>
             <a:r>
               <a:rPr lang="en-US" sz="1200" dirty="0"/>
-              <a:t>Only one Player can play this game.</a:t>
+              <a:t>One player can play this game.</a:t>
             </a:r>
           </a:p>
           <a:p>
@@ -6589,7 +6589,7 @@
           <a:p>
             <a:r>
               <a:rPr lang="en-US" sz="1200" dirty="0"/>
-              <a:t>Only one game mode.</a:t>
+              <a:t>One game mode.</a:t>
             </a:r>
           </a:p>
           <a:p>
